--- a/RecommendationCategoryPrediction.pptx
+++ b/RecommendationCategoryPrediction.pptx
@@ -644,6 +644,30 @@
       </pc:sldChg>
     </pc:docChg>
   </pc:docChgLst>
+  <pc:docChgLst>
+    <pc:chgData name="Juhi Sharma" userId="5683a751d417766a" providerId="LiveId" clId="{84E054C9-0267-46A8-B2B1-89B6C2ECB9C5}"/>
+    <pc:docChg chg="modSld">
+      <pc:chgData name="Juhi Sharma" userId="5683a751d417766a" providerId="LiveId" clId="{84E054C9-0267-46A8-B2B1-89B6C2ECB9C5}" dt="2020-12-14T08:33:13.376" v="2" actId="20577"/>
+      <pc:docMkLst>
+        <pc:docMk/>
+      </pc:docMkLst>
+      <pc:sldChg chg="modSp mod">
+        <pc:chgData name="Juhi Sharma" userId="5683a751d417766a" providerId="LiveId" clId="{84E054C9-0267-46A8-B2B1-89B6C2ECB9C5}" dt="2020-12-14T08:33:13.376" v="2" actId="20577"/>
+        <pc:sldMkLst>
+          <pc:docMk/>
+          <pc:sldMk cId="1384986976" sldId="258"/>
+        </pc:sldMkLst>
+        <pc:spChg chg="mod">
+          <ac:chgData name="Juhi Sharma" userId="5683a751d417766a" providerId="LiveId" clId="{84E054C9-0267-46A8-B2B1-89B6C2ECB9C5}" dt="2020-12-14T08:33:13.376" v="2" actId="20577"/>
+          <ac:spMkLst>
+            <pc:docMk/>
+            <pc:sldMk cId="1384986976" sldId="258"/>
+            <ac:spMk id="3" creationId="{212CA10A-C16C-495D-B312-7D3A8CCC1CD3}"/>
+          </ac:spMkLst>
+        </pc:spChg>
+      </pc:sldChg>
+    </pc:docChg>
+  </pc:docChgLst>
 </pc:chgInfo>
 </file>
 
@@ -806,7 +830,7 @@
           <a:p>
             <a:fld id="{64F0E216-BA48-4F04-AC4F-645AA0DD6AC6}" type="datetimeFigureOut">
               <a:rPr lang="en-US" smtClean="0"/>
-              <a:t>12/6/2020</a:t>
+              <a:t>12/14/2020</a:t>
             </a:fld>
             <a:endParaRPr lang="en-US" dirty="0"/>
           </a:p>
@@ -1854,7 +1878,7 @@
           <a:p>
             <a:fld id="{64F0E216-BA48-4F04-AC4F-645AA0DD6AC6}" type="datetimeFigureOut">
               <a:rPr lang="en-US" smtClean="0"/>
-              <a:t>12/6/2020</a:t>
+              <a:t>12/14/2020</a:t>
             </a:fld>
             <a:endParaRPr lang="en-US"/>
           </a:p>
@@ -2090,7 +2114,7 @@
           <a:p>
             <a:fld id="{64F0E216-BA48-4F04-AC4F-645AA0DD6AC6}" type="datetimeFigureOut">
               <a:rPr lang="en-US" smtClean="0"/>
-              <a:t>12/6/2020</a:t>
+              <a:t>12/14/2020</a:t>
             </a:fld>
             <a:endParaRPr lang="en-US"/>
           </a:p>
@@ -2313,7 +2337,7 @@
           <a:p>
             <a:fld id="{64F0E216-BA48-4F04-AC4F-645AA0DD6AC6}" type="datetimeFigureOut">
               <a:rPr lang="en-US" smtClean="0"/>
-              <a:t>12/6/2020</a:t>
+              <a:t>12/14/2020</a:t>
             </a:fld>
             <a:endParaRPr lang="en-US"/>
           </a:p>
@@ -2615,7 +2639,7 @@
           <a:p>
             <a:fld id="{64F0E216-BA48-4F04-AC4F-645AA0DD6AC6}" type="datetimeFigureOut">
               <a:rPr lang="en-US" smtClean="0"/>
-              <a:t>12/6/2020</a:t>
+              <a:t>12/14/2020</a:t>
             </a:fld>
             <a:endParaRPr lang="en-US"/>
           </a:p>
@@ -4079,7 +4103,7 @@
           <a:p>
             <a:fld id="{64F0E216-BA48-4F04-AC4F-645AA0DD6AC6}" type="datetimeFigureOut">
               <a:rPr lang="en-US" smtClean="0"/>
-              <a:t>12/6/2020</a:t>
+              <a:t>12/14/2020</a:t>
             </a:fld>
             <a:endParaRPr lang="en-US"/>
           </a:p>
@@ -4546,7 +4570,7 @@
           <a:p>
             <a:fld id="{64F0E216-BA48-4F04-AC4F-645AA0DD6AC6}" type="datetimeFigureOut">
               <a:rPr lang="en-US" smtClean="0"/>
-              <a:t>12/6/2020</a:t>
+              <a:t>12/14/2020</a:t>
             </a:fld>
             <a:endParaRPr lang="en-US"/>
           </a:p>
@@ -4721,7 +4745,7 @@
           <a:p>
             <a:fld id="{64F0E216-BA48-4F04-AC4F-645AA0DD6AC6}" type="datetimeFigureOut">
               <a:rPr lang="en-US" smtClean="0"/>
-              <a:t>12/6/2020</a:t>
+              <a:t>12/14/2020</a:t>
             </a:fld>
             <a:endParaRPr lang="en-US"/>
           </a:p>
@@ -4858,7 +4882,7 @@
           <a:p>
             <a:fld id="{64F0E216-BA48-4F04-AC4F-645AA0DD6AC6}" type="datetimeFigureOut">
               <a:rPr lang="en-US" smtClean="0"/>
-              <a:t>12/6/2020</a:t>
+              <a:t>12/14/2020</a:t>
             </a:fld>
             <a:endParaRPr lang="en-US"/>
           </a:p>
@@ -5208,7 +5232,7 @@
           <a:p>
             <a:fld id="{64F0E216-BA48-4F04-AC4F-645AA0DD6AC6}" type="datetimeFigureOut">
               <a:rPr lang="en-US" smtClean="0"/>
-              <a:t>12/6/2020</a:t>
+              <a:t>12/14/2020</a:t>
             </a:fld>
             <a:endParaRPr lang="en-US"/>
           </a:p>
@@ -5529,7 +5553,7 @@
           <a:p>
             <a:fld id="{64F0E216-BA48-4F04-AC4F-645AA0DD6AC6}" type="datetimeFigureOut">
               <a:rPr lang="en-US" smtClean="0"/>
-              <a:t>12/6/2020</a:t>
+              <a:t>12/14/2020</a:t>
             </a:fld>
             <a:endParaRPr lang="en-US"/>
           </a:p>
@@ -5791,7 +5815,7 @@
             <a:fld id="{64F0E216-BA48-4F04-AC4F-645AA0DD6AC6}" type="datetimeFigureOut">
               <a:rPr lang="en-US" smtClean="0"/>
               <a:pPr/>
-              <a:t>12/6/2020</a:t>
+              <a:t>12/14/2020</a:t>
             </a:fld>
             <a:endParaRPr lang="en-US" dirty="0"/>
           </a:p>
@@ -10176,7 +10200,7 @@
             </a:pPr>
             <a:r>
               <a:rPr lang="en-US" sz="1400" dirty="0"/>
-              <a:t>The problem appears to a recommendation problem for a product or a combination of products where the target variable, customer category signifies whether the customer should be recommended the product or not. </a:t>
+              <a:t>The problem appears to be a recommendation problem for a product or a combination of products where the target variable, customer category signifies whether the customer should be recommended the product or not. </a:t>
             </a:r>
           </a:p>
         </p:txBody>
